--- a/Digital control - lecture 5.pptx
+++ b/Digital control - lecture 5.pptx
@@ -282,7 +282,7 @@
           <a:p>
             <a:fld id="{EE9644A6-59D6-464D-AD1A-3A8F82524950}" type="datetimeFigureOut">
               <a:rPr lang="en-US" smtClean="0"/>
-              <a:t>3/18/2019</a:t>
+              <a:t>3/27/2019</a:t>
             </a:fld>
             <a:endParaRPr lang="en-US"/>
           </a:p>
@@ -480,7 +480,7 @@
           <a:p>
             <a:fld id="{EE9644A6-59D6-464D-AD1A-3A8F82524950}" type="datetimeFigureOut">
               <a:rPr lang="en-US" smtClean="0"/>
-              <a:t>3/18/2019</a:t>
+              <a:t>3/27/2019</a:t>
             </a:fld>
             <a:endParaRPr lang="en-US"/>
           </a:p>
@@ -688,7 +688,7 @@
           <a:p>
             <a:fld id="{EE9644A6-59D6-464D-AD1A-3A8F82524950}" type="datetimeFigureOut">
               <a:rPr lang="en-US" smtClean="0"/>
-              <a:t>3/18/2019</a:t>
+              <a:t>3/27/2019</a:t>
             </a:fld>
             <a:endParaRPr lang="en-US"/>
           </a:p>
@@ -886,7 +886,7 @@
           <a:p>
             <a:fld id="{EE9644A6-59D6-464D-AD1A-3A8F82524950}" type="datetimeFigureOut">
               <a:rPr lang="en-US" smtClean="0"/>
-              <a:t>3/18/2019</a:t>
+              <a:t>3/27/2019</a:t>
             </a:fld>
             <a:endParaRPr lang="en-US"/>
           </a:p>
@@ -1161,7 +1161,7 @@
           <a:p>
             <a:fld id="{EE9644A6-59D6-464D-AD1A-3A8F82524950}" type="datetimeFigureOut">
               <a:rPr lang="en-US" smtClean="0"/>
-              <a:t>3/18/2019</a:t>
+              <a:t>3/27/2019</a:t>
             </a:fld>
             <a:endParaRPr lang="en-US"/>
           </a:p>
@@ -1426,7 +1426,7 @@
           <a:p>
             <a:fld id="{EE9644A6-59D6-464D-AD1A-3A8F82524950}" type="datetimeFigureOut">
               <a:rPr lang="en-US" smtClean="0"/>
-              <a:t>3/18/2019</a:t>
+              <a:t>3/27/2019</a:t>
             </a:fld>
             <a:endParaRPr lang="en-US"/>
           </a:p>
@@ -1838,7 +1838,7 @@
           <a:p>
             <a:fld id="{EE9644A6-59D6-464D-AD1A-3A8F82524950}" type="datetimeFigureOut">
               <a:rPr lang="en-US" smtClean="0"/>
-              <a:t>3/18/2019</a:t>
+              <a:t>3/27/2019</a:t>
             </a:fld>
             <a:endParaRPr lang="en-US"/>
           </a:p>
@@ -1979,7 +1979,7 @@
           <a:p>
             <a:fld id="{EE9644A6-59D6-464D-AD1A-3A8F82524950}" type="datetimeFigureOut">
               <a:rPr lang="en-US" smtClean="0"/>
-              <a:t>3/18/2019</a:t>
+              <a:t>3/27/2019</a:t>
             </a:fld>
             <a:endParaRPr lang="en-US"/>
           </a:p>
@@ -2092,7 +2092,7 @@
           <a:p>
             <a:fld id="{EE9644A6-59D6-464D-AD1A-3A8F82524950}" type="datetimeFigureOut">
               <a:rPr lang="en-US" smtClean="0"/>
-              <a:t>3/18/2019</a:t>
+              <a:t>3/27/2019</a:t>
             </a:fld>
             <a:endParaRPr lang="en-US"/>
           </a:p>
@@ -2403,7 +2403,7 @@
           <a:p>
             <a:fld id="{EE9644A6-59D6-464D-AD1A-3A8F82524950}" type="datetimeFigureOut">
               <a:rPr lang="en-US" smtClean="0"/>
-              <a:t>3/18/2019</a:t>
+              <a:t>3/27/2019</a:t>
             </a:fld>
             <a:endParaRPr lang="en-US"/>
           </a:p>
@@ -2691,7 +2691,7 @@
           <a:p>
             <a:fld id="{EE9644A6-59D6-464D-AD1A-3A8F82524950}" type="datetimeFigureOut">
               <a:rPr lang="en-US" smtClean="0"/>
-              <a:t>3/18/2019</a:t>
+              <a:t>3/27/2019</a:t>
             </a:fld>
             <a:endParaRPr lang="en-US"/>
           </a:p>
@@ -2932,7 +2932,7 @@
           <a:p>
             <a:fld id="{EE9644A6-59D6-464D-AD1A-3A8F82524950}" type="datetimeFigureOut">
               <a:rPr lang="en-US" smtClean="0"/>
-              <a:t>3/18/2019</a:t>
+              <a:t>3/27/2019</a:t>
             </a:fld>
             <a:endParaRPr lang="en-US"/>
           </a:p>
@@ -4575,8 +4575,8 @@
           </a:p>
         </p:txBody>
       </p:sp>
-      <mc:AlternateContent xmlns:mc="http://schemas.openxmlformats.org/markup-compatibility/2006">
-        <mc:Choice xmlns:a14="http://schemas.microsoft.com/office/drawing/2010/main" Requires="a14">
+      <mc:AlternateContent xmlns:mc="http://schemas.openxmlformats.org/markup-compatibility/2006" xmlns:a14="http://schemas.microsoft.com/office/drawing/2010/main">
+        <mc:Choice Requires="a14">
           <p:sp>
             <p:nvSpPr>
               <p:cNvPr id="5" name="Object 11">
@@ -5170,7 +5170,7 @@
             </p:txBody>
           </p:sp>
         </mc:Choice>
-        <mc:Fallback>
+        <mc:Fallback xmlns="">
           <p:sp>
             <p:nvSpPr>
               <p:cNvPr id="5" name="Object 11">
@@ -5787,8 +5787,8 @@
           </a:fontRef>
         </p:style>
       </p:cxnSp>
-      <mc:AlternateContent xmlns:mc="http://schemas.openxmlformats.org/markup-compatibility/2006">
-        <mc:Choice xmlns:a14="http://schemas.microsoft.com/office/drawing/2010/main" Requires="a14">
+      <mc:AlternateContent xmlns:mc="http://schemas.openxmlformats.org/markup-compatibility/2006" xmlns:a14="http://schemas.microsoft.com/office/drawing/2010/main">
+        <mc:Choice Requires="a14">
           <p:sp>
             <p:nvSpPr>
               <p:cNvPr id="22" name="Rectangle 21">
@@ -5969,7 +5969,7 @@
             </p:txBody>
           </p:sp>
         </mc:Choice>
-        <mc:Fallback>
+        <mc:Fallback xmlns="">
           <p:sp>
             <p:nvSpPr>
               <p:cNvPr id="22" name="Rectangle 21">
@@ -6014,8 +6014,8 @@
           </p:sp>
         </mc:Fallback>
       </mc:AlternateContent>
-      <mc:AlternateContent xmlns:mc="http://schemas.openxmlformats.org/markup-compatibility/2006">
-        <mc:Choice xmlns:a14="http://schemas.microsoft.com/office/drawing/2010/main" Requires="a14">
+      <mc:AlternateContent xmlns:mc="http://schemas.openxmlformats.org/markup-compatibility/2006" xmlns:a14="http://schemas.microsoft.com/office/drawing/2010/main">
+        <mc:Choice Requires="a14">
           <p:sp>
             <p:nvSpPr>
               <p:cNvPr id="23" name="Rectangle 22">
@@ -6043,6 +6043,7 @@
               </a:bodyPr>
               <a:lstStyle/>
               <a:p>
+                <a:pPr/>
                 <a14:m>
                   <m:oMathPara xmlns:m="http://schemas.openxmlformats.org/officeDocument/2006/math">
                     <m:oMathParaPr>
@@ -6172,7 +6173,7 @@
             </p:txBody>
           </p:sp>
         </mc:Choice>
-        <mc:Fallback>
+        <mc:Fallback xmlns="">
           <p:sp>
             <p:nvSpPr>
               <p:cNvPr id="23" name="Rectangle 22">
@@ -6217,8 +6218,8 @@
           </p:sp>
         </mc:Fallback>
       </mc:AlternateContent>
-      <mc:AlternateContent xmlns:mc="http://schemas.openxmlformats.org/markup-compatibility/2006">
-        <mc:Choice xmlns:a14="http://schemas.microsoft.com/office/drawing/2010/main" Requires="a14">
+      <mc:AlternateContent xmlns:mc="http://schemas.openxmlformats.org/markup-compatibility/2006" xmlns:a14="http://schemas.microsoft.com/office/drawing/2010/main">
+        <mc:Choice Requires="a14">
           <p:sp>
             <p:nvSpPr>
               <p:cNvPr id="24" name="Rectangle 23">
@@ -6246,6 +6247,7 @@
               </a:bodyPr>
               <a:lstStyle/>
               <a:p>
+                <a:pPr/>
                 <a14:m>
                   <m:oMathPara xmlns:m="http://schemas.openxmlformats.org/officeDocument/2006/math">
                     <m:oMathParaPr>
@@ -6325,7 +6327,7 @@
             </p:txBody>
           </p:sp>
         </mc:Choice>
-        <mc:Fallback>
+        <mc:Fallback xmlns="">
           <p:sp>
             <p:nvSpPr>
               <p:cNvPr id="24" name="Rectangle 23">
@@ -6370,8 +6372,8 @@
           </p:sp>
         </mc:Fallback>
       </mc:AlternateContent>
-      <mc:AlternateContent xmlns:mc="http://schemas.openxmlformats.org/markup-compatibility/2006">
-        <mc:Choice xmlns:a14="http://schemas.microsoft.com/office/drawing/2010/main" Requires="a14">
+      <mc:AlternateContent xmlns:mc="http://schemas.openxmlformats.org/markup-compatibility/2006" xmlns:a14="http://schemas.microsoft.com/office/drawing/2010/main">
+        <mc:Choice Requires="a14">
           <p:sp>
             <p:nvSpPr>
               <p:cNvPr id="25" name="Rectangle 24">
@@ -6399,6 +6401,7 @@
               </a:bodyPr>
               <a:lstStyle/>
               <a:p>
+                <a:pPr/>
                 <a14:m>
                   <m:oMathPara xmlns:m="http://schemas.openxmlformats.org/officeDocument/2006/math">
                     <m:oMathParaPr>
@@ -6512,7 +6515,7 @@
             </p:txBody>
           </p:sp>
         </mc:Choice>
-        <mc:Fallback>
+        <mc:Fallback xmlns="">
           <p:sp>
             <p:nvSpPr>
               <p:cNvPr id="25" name="Rectangle 24">
@@ -8634,8 +8637,8 @@
           </a:p>
         </p:txBody>
       </p:sp>
-      <mc:AlternateContent xmlns:mc="http://schemas.openxmlformats.org/markup-compatibility/2006">
-        <mc:Choice xmlns:a14="http://schemas.microsoft.com/office/drawing/2010/main" Requires="a14">
+      <mc:AlternateContent xmlns:mc="http://schemas.openxmlformats.org/markup-compatibility/2006" xmlns:a14="http://schemas.microsoft.com/office/drawing/2010/main">
+        <mc:Choice Requires="a14">
           <p:sp>
             <p:nvSpPr>
               <p:cNvPr id="11" name="Object 11">
@@ -9229,7 +9232,7 @@
             </p:txBody>
           </p:sp>
         </mc:Choice>
-        <mc:Fallback>
+        <mc:Fallback xmlns="">
           <p:sp>
             <p:nvSpPr>
               <p:cNvPr id="11" name="Object 11">
@@ -9274,8 +9277,8 @@
           </p:sp>
         </mc:Fallback>
       </mc:AlternateContent>
-      <mc:AlternateContent xmlns:mc="http://schemas.openxmlformats.org/markup-compatibility/2006">
-        <mc:Choice xmlns:a14="http://schemas.microsoft.com/office/drawing/2010/main" Requires="a14">
+      <mc:AlternateContent xmlns:mc="http://schemas.openxmlformats.org/markup-compatibility/2006" xmlns:a14="http://schemas.microsoft.com/office/drawing/2010/main">
+        <mc:Choice Requires="a14">
           <p:sp>
             <p:nvSpPr>
               <p:cNvPr id="12" name="Object 11">
@@ -9455,16 +9458,7 @@
                           </a:solidFill>
                           <a:latin typeface="Cambria Math" panose="02040503050406030204" pitchFamily="18" charset="0"/>
                         </a:rPr>
-                        <m:t>)</m:t>
-                      </m:r>
-                      <m:r>
-                        <a:rPr lang="en-US" sz="2000" i="1">
-                          <a:solidFill>
-                            <a:srgbClr val="000000"/>
-                          </a:solidFill>
-                          <a:latin typeface="Cambria Math" panose="02040503050406030204" pitchFamily="18" charset="0"/>
-                        </a:rPr>
-                        <m:t>=</m:t>
+                        <m:t>)=</m:t>
                       </m:r>
                       <m:sSub>
                         <m:sSubPr>
@@ -10005,7 +9999,7 @@
             </p:txBody>
           </p:sp>
         </mc:Choice>
-        <mc:Fallback>
+        <mc:Fallback xmlns="">
           <p:sp>
             <p:nvSpPr>
               <p:cNvPr id="12" name="Object 11">
@@ -10050,8 +10044,8 @@
           </p:sp>
         </mc:Fallback>
       </mc:AlternateContent>
-      <mc:AlternateContent xmlns:mc="http://schemas.openxmlformats.org/markup-compatibility/2006">
-        <mc:Choice xmlns:a14="http://schemas.microsoft.com/office/drawing/2010/main" Requires="a14">
+      <mc:AlternateContent xmlns:mc="http://schemas.openxmlformats.org/markup-compatibility/2006" xmlns:a14="http://schemas.microsoft.com/office/drawing/2010/main">
+        <mc:Choice Requires="a14">
           <p:sp>
             <p:nvSpPr>
               <p:cNvPr id="13" name="Object 11">
@@ -10717,7 +10711,7 @@
             </p:txBody>
           </p:sp>
         </mc:Choice>
-        <mc:Fallback>
+        <mc:Fallback xmlns="">
           <p:sp>
             <p:nvSpPr>
               <p:cNvPr id="13" name="Object 11">
@@ -12565,8 +12559,8 @@
           </a:p>
         </p:txBody>
       </p:sp>
-      <mc:AlternateContent xmlns:mc="http://schemas.openxmlformats.org/markup-compatibility/2006">
-        <mc:Choice xmlns:a14="http://schemas.microsoft.com/office/drawing/2010/main" Requires="a14">
+      <mc:AlternateContent xmlns:mc="http://schemas.openxmlformats.org/markup-compatibility/2006" xmlns:a14="http://schemas.microsoft.com/office/drawing/2010/main">
+        <mc:Choice Requires="a14">
           <p:sp>
             <p:nvSpPr>
               <p:cNvPr id="6" name="Rectangle 5">
@@ -12855,7 +12849,7 @@
             </p:txBody>
           </p:sp>
         </mc:Choice>
-        <mc:Fallback>
+        <mc:Fallback xmlns="">
           <p:sp>
             <p:nvSpPr>
               <p:cNvPr id="6" name="Rectangle 5">
@@ -14006,8 +14000,8 @@
           </a:graphicData>
         </a:graphic>
       </p:graphicFrame>
-      <mc:AlternateContent xmlns:mc="http://schemas.openxmlformats.org/markup-compatibility/2006">
-        <mc:Choice xmlns:a14="http://schemas.microsoft.com/office/drawing/2010/main" Requires="a14">
+      <mc:AlternateContent xmlns:mc="http://schemas.openxmlformats.org/markup-compatibility/2006" xmlns:a14="http://schemas.microsoft.com/office/drawing/2010/main">
+        <mc:Choice Requires="a14">
           <p:sp>
             <p:nvSpPr>
               <p:cNvPr id="5" name="Rectangle 4">
@@ -14035,6 +14029,7 @@
               </a:bodyPr>
               <a:lstStyle/>
               <a:p>
+                <a:pPr/>
                 <a14:m>
                   <m:oMathPara xmlns:m="http://schemas.openxmlformats.org/officeDocument/2006/math">
                     <m:oMathParaPr>
@@ -14112,7 +14107,7 @@
             </p:txBody>
           </p:sp>
         </mc:Choice>
-        <mc:Fallback>
+        <mc:Fallback xmlns="">
           <p:sp>
             <p:nvSpPr>
               <p:cNvPr id="5" name="Rectangle 4">
@@ -15082,8 +15077,8 @@
           </a:p>
         </p:txBody>
       </p:sp>
-      <mc:AlternateContent xmlns:mc="http://schemas.openxmlformats.org/markup-compatibility/2006">
-        <mc:Choice xmlns:a14="http://schemas.microsoft.com/office/drawing/2010/main" Requires="a14">
+      <mc:AlternateContent xmlns:mc="http://schemas.openxmlformats.org/markup-compatibility/2006" xmlns:a14="http://schemas.microsoft.com/office/drawing/2010/main">
+        <mc:Choice Requires="a14">
           <p:sp>
             <p:nvSpPr>
               <p:cNvPr id="7" name="Rectangle 6">
@@ -15205,7 +15200,7 @@
             </p:txBody>
           </p:sp>
         </mc:Choice>
-        <mc:Fallback>
+        <mc:Fallback xmlns="">
           <p:sp>
             <p:nvSpPr>
               <p:cNvPr id="7" name="Rectangle 6">
@@ -15280,8 +15275,8 @@
           </a:prstGeom>
         </p:spPr>
       </p:pic>
-      <mc:AlternateContent xmlns:mc="http://schemas.openxmlformats.org/markup-compatibility/2006">
-        <mc:Choice xmlns:a14="http://schemas.microsoft.com/office/drawing/2010/main" Requires="a14">
+      <mc:AlternateContent xmlns:mc="http://schemas.openxmlformats.org/markup-compatibility/2006" xmlns:a14="http://schemas.microsoft.com/office/drawing/2010/main">
+        <mc:Choice Requires="a14">
           <p:graphicFrame>
             <p:nvGraphicFramePr>
               <p:cNvPr id="8" name="Table 7">
@@ -15817,7 +15812,7 @@
             </a:graphic>
           </p:graphicFrame>
         </mc:Choice>
-        <mc:Fallback>
+        <mc:Fallback xmlns="">
           <p:graphicFrame>
             <p:nvGraphicFramePr>
               <p:cNvPr id="8" name="Table 7">
@@ -16958,8 +16953,8 @@
           </a:p>
         </p:txBody>
       </p:sp>
-      <mc:AlternateContent xmlns:mc="http://schemas.openxmlformats.org/markup-compatibility/2006">
-        <mc:Choice xmlns:a14="http://schemas.microsoft.com/office/drawing/2010/main" Requires="a14">
+      <mc:AlternateContent xmlns:mc="http://schemas.openxmlformats.org/markup-compatibility/2006" xmlns:a14="http://schemas.microsoft.com/office/drawing/2010/main">
+        <mc:Choice Requires="a14">
           <p:graphicFrame>
             <p:nvGraphicFramePr>
               <p:cNvPr id="7" name="Table 6">
@@ -17574,7 +17569,7 @@
             </a:graphic>
           </p:graphicFrame>
         </mc:Choice>
-        <mc:Fallback>
+        <mc:Fallback xmlns="">
           <p:graphicFrame>
             <p:nvGraphicFramePr>
               <p:cNvPr id="7" name="Table 6">
@@ -18973,8 +18968,8 @@
           </a:p>
         </p:txBody>
       </p:sp>
-      <mc:AlternateContent xmlns:mc="http://schemas.openxmlformats.org/markup-compatibility/2006">
-        <mc:Choice xmlns:a14="http://schemas.microsoft.com/office/drawing/2010/main" Requires="a14">
+      <mc:AlternateContent xmlns:mc="http://schemas.openxmlformats.org/markup-compatibility/2006" xmlns:a14="http://schemas.microsoft.com/office/drawing/2010/main">
+        <mc:Choice Requires="a14">
           <p:sp>
             <p:nvSpPr>
               <p:cNvPr id="6" name="Rectangle 5">
@@ -19162,7 +19157,7 @@
             </p:txBody>
           </p:sp>
         </mc:Choice>
-        <mc:Fallback>
+        <mc:Fallback xmlns="">
           <p:sp>
             <p:nvSpPr>
               <p:cNvPr id="6" name="Rectangle 5">
@@ -20072,8 +20067,8 @@
           </a:prstGeom>
         </p:spPr>
       </p:pic>
-      <mc:AlternateContent xmlns:mc="http://schemas.openxmlformats.org/markup-compatibility/2006">
-        <mc:Choice xmlns:a14="http://schemas.microsoft.com/office/drawing/2010/main" Requires="a14">
+      <mc:AlternateContent xmlns:mc="http://schemas.openxmlformats.org/markup-compatibility/2006" xmlns:a14="http://schemas.microsoft.com/office/drawing/2010/main">
+        <mc:Choice Requires="a14">
           <p:graphicFrame>
             <p:nvGraphicFramePr>
               <p:cNvPr id="7" name="Table 6">
@@ -20679,7 +20674,7 @@
             </a:graphic>
           </p:graphicFrame>
         </mc:Choice>
-        <mc:Fallback>
+        <mc:Fallback xmlns="">
           <p:graphicFrame>
             <p:nvGraphicFramePr>
               <p:cNvPr id="7" name="Table 6">
@@ -21019,8 +21014,8 @@
           </p:graphicFrame>
         </mc:Fallback>
       </mc:AlternateContent>
-      <mc:AlternateContent xmlns:mc="http://schemas.openxmlformats.org/markup-compatibility/2006">
-        <mc:Choice xmlns:a14="http://schemas.microsoft.com/office/drawing/2010/main" Requires="a14">
+      <mc:AlternateContent xmlns:mc="http://schemas.openxmlformats.org/markup-compatibility/2006" xmlns:a14="http://schemas.microsoft.com/office/drawing/2010/main">
+        <mc:Choice Requires="a14">
           <p:graphicFrame>
             <p:nvGraphicFramePr>
               <p:cNvPr id="8" name="Table 7">
@@ -21606,7 +21601,7 @@
             </a:graphic>
           </p:graphicFrame>
         </mc:Choice>
-        <mc:Fallback>
+        <mc:Fallback xmlns="">
           <p:graphicFrame>
             <p:nvGraphicFramePr>
               <p:cNvPr id="8" name="Table 7">
@@ -23724,8 +23719,8 @@
           </a:extLst>
         </p:spPr>
       </p:pic>
-      <mc:AlternateContent xmlns:mc="http://schemas.openxmlformats.org/markup-compatibility/2006">
-        <mc:Choice xmlns:a14="http://schemas.microsoft.com/office/drawing/2010/main" Requires="a14">
+      <mc:AlternateContent xmlns:mc="http://schemas.openxmlformats.org/markup-compatibility/2006" xmlns:a14="http://schemas.microsoft.com/office/drawing/2010/main">
+        <mc:Choice Requires="a14">
           <p:sp>
             <p:nvSpPr>
               <p:cNvPr id="11" name="Object 11">
@@ -24229,7 +24224,7 @@
             </p:txBody>
           </p:sp>
         </mc:Choice>
-        <mc:Fallback>
+        <mc:Fallback xmlns="">
           <p:sp>
             <p:nvSpPr>
               <p:cNvPr id="11" name="Object 11">
@@ -24633,8 +24628,8 @@
           </a:p>
         </p:txBody>
       </p:sp>
-      <mc:AlternateContent xmlns:mc="http://schemas.openxmlformats.org/markup-compatibility/2006">
-        <mc:Choice xmlns:a14="http://schemas.microsoft.com/office/drawing/2010/main" Requires="a14">
+      <mc:AlternateContent xmlns:mc="http://schemas.openxmlformats.org/markup-compatibility/2006" xmlns:a14="http://schemas.microsoft.com/office/drawing/2010/main">
+        <mc:Choice Requires="a14">
           <p:sp>
             <p:nvSpPr>
               <p:cNvPr id="7" name="Object 11">
@@ -24782,7 +24777,7 @@
             </p:txBody>
           </p:sp>
         </mc:Choice>
-        <mc:Fallback>
+        <mc:Fallback xmlns="">
           <p:sp>
             <p:nvSpPr>
               <p:cNvPr id="7" name="Object 11">
@@ -25370,8 +25365,8 @@
           </a:p>
         </p:txBody>
       </p:sp>
-      <mc:AlternateContent xmlns:mc="http://schemas.openxmlformats.org/markup-compatibility/2006">
-        <mc:Choice xmlns:a14="http://schemas.microsoft.com/office/drawing/2010/main" Requires="a14">
+      <mc:AlternateContent xmlns:mc="http://schemas.openxmlformats.org/markup-compatibility/2006" xmlns:a14="http://schemas.microsoft.com/office/drawing/2010/main">
+        <mc:Choice Requires="a14">
           <p:sp>
             <p:nvSpPr>
               <p:cNvPr id="6" name="Content Placeholder 2">
@@ -25600,7 +25595,7 @@
             </p:txBody>
           </p:sp>
         </mc:Choice>
-        <mc:Fallback>
+        <mc:Fallback xmlns="">
           <p:sp>
             <p:nvSpPr>
               <p:cNvPr id="6" name="Content Placeholder 2">
@@ -25644,8 +25639,8 @@
           </p:sp>
         </mc:Fallback>
       </mc:AlternateContent>
-      <mc:AlternateContent xmlns:mc="http://schemas.openxmlformats.org/markup-compatibility/2006">
-        <mc:Choice xmlns:a14="http://schemas.microsoft.com/office/drawing/2010/main" Requires="a14">
+      <mc:AlternateContent xmlns:mc="http://schemas.openxmlformats.org/markup-compatibility/2006" xmlns:a14="http://schemas.microsoft.com/office/drawing/2010/main">
+        <mc:Choice Requires="a14">
           <p:sp>
             <p:nvSpPr>
               <p:cNvPr id="7" name="Object 11">
@@ -25869,16 +25864,7 @@
                                   </a:solidFill>
                                   <a:latin typeface="Cambria Math" panose="02040503050406030204" pitchFamily="18" charset="0"/>
                                 </a:rPr>
-                                <m:t>𝑒</m:t>
-                              </m:r>
-                              <m:r>
-                                <a:rPr lang="en-US" sz="2400" i="1">
-                                  <a:solidFill>
-                                    <a:srgbClr val="000000"/>
-                                  </a:solidFill>
-                                  <a:latin typeface="Cambria Math" panose="02040503050406030204" pitchFamily="18" charset="0"/>
-                                </a:rPr>
-                                <m:t>𝑑𝑡</m:t>
+                                <m:t>𝑒𝑑𝑡</m:t>
                               </m:r>
                             </m:e>
                           </m:nary>
@@ -25935,7 +25921,7 @@
             </p:txBody>
           </p:sp>
         </mc:Choice>
-        <mc:Fallback>
+        <mc:Fallback xmlns="">
           <p:sp>
             <p:nvSpPr>
               <p:cNvPr id="7" name="Object 11">
@@ -26463,8 +26449,8 @@
           </a:p>
         </p:txBody>
       </p:sp>
-      <mc:AlternateContent xmlns:mc="http://schemas.openxmlformats.org/markup-compatibility/2006">
-        <mc:Choice xmlns:a14="http://schemas.microsoft.com/office/drawing/2010/main" Requires="a14">
+      <mc:AlternateContent xmlns:mc="http://schemas.openxmlformats.org/markup-compatibility/2006" xmlns:a14="http://schemas.microsoft.com/office/drawing/2010/main">
+        <mc:Choice Requires="a14">
           <p:sp>
             <p:nvSpPr>
               <p:cNvPr id="7" name="Object 11">
@@ -26688,16 +26674,7 @@
                                   </a:solidFill>
                                   <a:latin typeface="Cambria Math" panose="02040503050406030204" pitchFamily="18" charset="0"/>
                                 </a:rPr>
-                                <m:t>𝑒</m:t>
-                              </m:r>
-                              <m:r>
-                                <a:rPr lang="en-US" sz="2400" i="1">
-                                  <a:solidFill>
-                                    <a:srgbClr val="000000"/>
-                                  </a:solidFill>
-                                  <a:latin typeface="Cambria Math" panose="02040503050406030204" pitchFamily="18" charset="0"/>
-                                </a:rPr>
-                                <m:t>𝑑𝑡</m:t>
+                                <m:t>𝑒𝑑𝑡</m:t>
                               </m:r>
                             </m:e>
                           </m:nary>
@@ -26754,7 +26731,7 @@
             </p:txBody>
           </p:sp>
         </mc:Choice>
-        <mc:Fallback>
+        <mc:Fallback xmlns="">
           <p:sp>
             <p:nvSpPr>
               <p:cNvPr id="7" name="Object 11">
@@ -26829,8 +26806,8 @@
           </a:prstGeom>
         </p:spPr>
       </p:pic>
-      <mc:AlternateContent xmlns:mc="http://schemas.openxmlformats.org/markup-compatibility/2006">
-        <mc:Choice xmlns:a14="http://schemas.microsoft.com/office/drawing/2010/main" Requires="a14">
+      <mc:AlternateContent xmlns:mc="http://schemas.openxmlformats.org/markup-compatibility/2006" xmlns:a14="http://schemas.microsoft.com/office/drawing/2010/main">
+        <mc:Choice Requires="a14">
           <p:sp>
             <p:nvSpPr>
               <p:cNvPr id="8" name="Content Placeholder 2">
@@ -27248,7 +27225,7 @@
             </p:txBody>
           </p:sp>
         </mc:Choice>
-        <mc:Fallback>
+        <mc:Fallback xmlns="">
           <p:sp>
             <p:nvSpPr>
               <p:cNvPr id="8" name="Content Placeholder 2">
@@ -27634,7 +27611,15 @@
                 </a:pPr>
                 <a:r>
                   <a:rPr lang="ar-SY" sz="2000" b="1" dirty="0"/>
-                  <a:t>جمع المنظمين التناسبي والتكاملي معاً يسمح لنا بالوصول إلى الخرج المطلوب بسرعة والتخلص من أي اهتزازات أو تجاوز </a:t>
+                  <a:t>جمع المنظمين </a:t>
+                </a:r>
+                <a:r>
+                  <a:rPr lang="ar-SY" sz="2000" b="1"/>
+                  <a:t>التناسبي والتفاضلي </a:t>
+                </a:r>
+                <a:r>
+                  <a:rPr lang="ar-SY" sz="2000" b="1" dirty="0"/>
+                  <a:t>معاً يسمح لنا بالوصول إلى الخرج المطلوب بسرعة والتخلص من أي اهتزازات أو تجاوز </a:t>
                 </a:r>
                 <a:r>
                   <a:rPr lang="en-US" sz="2000" b="1" dirty="0"/>
@@ -27809,7 +27794,7 @@
               <a:blipFill>
                 <a:blip r:embed="rId3"/>
                 <a:stretch>
-                  <a:fillRect l="-437" t="-787" r="-1093"/>
+                  <a:fillRect l="-765" t="-787" r="-1093"/>
                 </a:stretch>
               </a:blipFill>
             </p:spPr>
@@ -27828,8 +27813,8 @@
           </p:sp>
         </mc:Fallback>
       </mc:AlternateContent>
-      <mc:AlternateContent xmlns:mc="http://schemas.openxmlformats.org/markup-compatibility/2006">
-        <mc:Choice xmlns:a14="http://schemas.microsoft.com/office/drawing/2010/main" Requires="a14">
+      <mc:AlternateContent xmlns:mc="http://schemas.openxmlformats.org/markup-compatibility/2006" xmlns:a14="http://schemas.microsoft.com/office/drawing/2010/main">
+        <mc:Choice Requires="a14">
           <p:sp>
             <p:nvSpPr>
               <p:cNvPr id="8" name="Object 11">
@@ -28070,7 +28055,7 @@
             </p:txBody>
           </p:sp>
         </mc:Choice>
-        <mc:Fallback>
+        <mc:Fallback xmlns="">
           <p:sp>
             <p:nvSpPr>
               <p:cNvPr id="8" name="Object 11">
@@ -28908,8 +28893,8 @@
           </a:p>
         </p:txBody>
       </p:sp>
-      <mc:AlternateContent xmlns:mc="http://schemas.openxmlformats.org/markup-compatibility/2006">
-        <mc:Choice xmlns:a14="http://schemas.microsoft.com/office/drawing/2010/main" Requires="a14">
+      <mc:AlternateContent xmlns:mc="http://schemas.openxmlformats.org/markup-compatibility/2006" xmlns:a14="http://schemas.microsoft.com/office/drawing/2010/main">
+        <mc:Choice Requires="a14">
           <p:sp>
             <p:nvSpPr>
               <p:cNvPr id="6" name="Object 11">
@@ -29294,7 +29279,7 @@
             </p:txBody>
           </p:sp>
         </mc:Choice>
-        <mc:Fallback>
+        <mc:Fallback xmlns="">
           <p:sp>
             <p:nvSpPr>
               <p:cNvPr id="6" name="Object 11">
